--- a/zeonDeck.pptx
+++ b/zeonDeck.pptx
@@ -294,7 +294,7 @@
           <a:p>
             <a:fld id="{82121894-3172-2446-99CF-025840141D4C}" type="datetimeFigureOut">
               <a:rPr lang="en-US" smtClean="0"/>
-              <a:t>12/10/14</a:t>
+              <a:t>12/11/14</a:t>
             </a:fld>
             <a:endParaRPr lang="en-US"/>
           </a:p>
@@ -464,7 +464,7 @@
           <a:p>
             <a:fld id="{82121894-3172-2446-99CF-025840141D4C}" type="datetimeFigureOut">
               <a:rPr lang="en-US" smtClean="0"/>
-              <a:t>12/10/14</a:t>
+              <a:t>12/11/14</a:t>
             </a:fld>
             <a:endParaRPr lang="en-US"/>
           </a:p>
@@ -644,7 +644,7 @@
           <a:p>
             <a:fld id="{82121894-3172-2446-99CF-025840141D4C}" type="datetimeFigureOut">
               <a:rPr lang="en-US" smtClean="0"/>
-              <a:t>12/10/14</a:t>
+              <a:t>12/11/14</a:t>
             </a:fld>
             <a:endParaRPr lang="en-US"/>
           </a:p>
@@ -814,7 +814,7 @@
           <a:p>
             <a:fld id="{82121894-3172-2446-99CF-025840141D4C}" type="datetimeFigureOut">
               <a:rPr lang="en-US" smtClean="0"/>
-              <a:t>12/10/14</a:t>
+              <a:t>12/11/14</a:t>
             </a:fld>
             <a:endParaRPr lang="en-US"/>
           </a:p>
@@ -1060,7 +1060,7 @@
           <a:p>
             <a:fld id="{82121894-3172-2446-99CF-025840141D4C}" type="datetimeFigureOut">
               <a:rPr lang="en-US" smtClean="0"/>
-              <a:t>12/10/14</a:t>
+              <a:t>12/11/14</a:t>
             </a:fld>
             <a:endParaRPr lang="en-US"/>
           </a:p>
@@ -1348,7 +1348,7 @@
           <a:p>
             <a:fld id="{82121894-3172-2446-99CF-025840141D4C}" type="datetimeFigureOut">
               <a:rPr lang="en-US" smtClean="0"/>
-              <a:t>12/10/14</a:t>
+              <a:t>12/11/14</a:t>
             </a:fld>
             <a:endParaRPr lang="en-US"/>
           </a:p>
@@ -1770,7 +1770,7 @@
           <a:p>
             <a:fld id="{82121894-3172-2446-99CF-025840141D4C}" type="datetimeFigureOut">
               <a:rPr lang="en-US" smtClean="0"/>
-              <a:t>12/10/14</a:t>
+              <a:t>12/11/14</a:t>
             </a:fld>
             <a:endParaRPr lang="en-US"/>
           </a:p>
@@ -1888,7 +1888,7 @@
           <a:p>
             <a:fld id="{82121894-3172-2446-99CF-025840141D4C}" type="datetimeFigureOut">
               <a:rPr lang="en-US" smtClean="0"/>
-              <a:t>12/10/14</a:t>
+              <a:t>12/11/14</a:t>
             </a:fld>
             <a:endParaRPr lang="en-US"/>
           </a:p>
@@ -1983,7 +1983,7 @@
           <a:p>
             <a:fld id="{82121894-3172-2446-99CF-025840141D4C}" type="datetimeFigureOut">
               <a:rPr lang="en-US" smtClean="0"/>
-              <a:t>12/10/14</a:t>
+              <a:t>12/11/14</a:t>
             </a:fld>
             <a:endParaRPr lang="en-US"/>
           </a:p>
@@ -2260,7 +2260,7 @@
           <a:p>
             <a:fld id="{82121894-3172-2446-99CF-025840141D4C}" type="datetimeFigureOut">
               <a:rPr lang="en-US" smtClean="0"/>
-              <a:t>12/10/14</a:t>
+              <a:t>12/11/14</a:t>
             </a:fld>
             <a:endParaRPr lang="en-US"/>
           </a:p>
@@ -2513,7 +2513,7 @@
           <a:p>
             <a:fld id="{82121894-3172-2446-99CF-025840141D4C}" type="datetimeFigureOut">
               <a:rPr lang="en-US" smtClean="0"/>
-              <a:t>12/10/14</a:t>
+              <a:t>12/11/14</a:t>
             </a:fld>
             <a:endParaRPr lang="en-US"/>
           </a:p>
@@ -2726,7 +2726,7 @@
           <a:p>
             <a:fld id="{82121894-3172-2446-99CF-025840141D4C}" type="datetimeFigureOut">
               <a:rPr lang="en-US" smtClean="0"/>
-              <a:t>12/10/14</a:t>
+              <a:t>12/11/14</a:t>
             </a:fld>
             <a:endParaRPr lang="en-US"/>
           </a:p>
@@ -3310,7 +3310,7 @@
         <p:spPr/>
         <p:txBody>
           <a:bodyPr>
-            <a:normAutofit fontScale="92500"/>
+            <a:normAutofit fontScale="92500" lnSpcReduction="10000"/>
           </a:bodyPr>
           <a:lstStyle/>
           <a:p>
@@ -3323,16 +3323,13 @@
             <a:pPr lvl="1"/>
             <a:r>
               <a:rPr lang="en-US" dirty="0" smtClean="0"/>
-              <a:t>Efficient </a:t>
-            </a:r>
-            <a:r>
-              <a:rPr lang="en-US" dirty="0" err="1" smtClean="0"/>
-              <a:t>updateLocation</a:t>
+              <a:t>Efficient</a:t>
             </a:r>
             <a:r>
               <a:rPr lang="en-US" dirty="0" smtClean="0"/>
-              <a:t>()</a:t>
-            </a:r>
+              <a:t> update Location.</a:t>
+            </a:r>
+            <a:endParaRPr lang="en-US" dirty="0" smtClean="0"/>
           </a:p>
           <a:p>
             <a:pPr lvl="1"/>
@@ -3345,11 +3342,19 @@
             <a:pPr lvl="1"/>
             <a:r>
               <a:rPr lang="en-US" dirty="0" smtClean="0"/>
-              <a:t>Accuracy of point location is </a:t>
-            </a:r>
-            <a:r>
-              <a:rPr lang="en-US" smtClean="0"/>
-              <a:t>not crucial.</a:t>
+              <a:t>Very </a:t>
+            </a:r>
+            <a:r>
+              <a:rPr lang="en-US" dirty="0" smtClean="0"/>
+              <a:t>frequent updates and hence</a:t>
+            </a:r>
+            <a:r>
+              <a:rPr lang="en-US" dirty="0" smtClean="0"/>
+              <a:t> accuracy of </a:t>
+            </a:r>
+            <a:r>
+              <a:rPr lang="en-US" dirty="0" smtClean="0"/>
+              <a:t>point location is not crucial.</a:t>
             </a:r>
           </a:p>
           <a:p>
